--- a/case_mgmt.pptx
+++ b/case_mgmt.pptx
@@ -978,7 +978,11 @@
             </a:r>
             <a:r>
               <a:rPr lang="en-US" baseline="0" dirty="0" smtClean="0"/>
-              <a:t> concepts with drawings</a:t>
+              <a:t> concepts with drawings. </a:t>
+            </a:r>
+            <a:r>
+              <a:rPr lang="en-US" baseline="0" smtClean="0"/>
+              <a:t>Bring up case closures`</a:t>
             </a:r>
             <a:endParaRPr lang="en-US" dirty="0"/>
           </a:p>
